--- a/OS_proj1.pptx
+++ b/OS_proj1.pptx
@@ -8293,7 +8293,7 @@
             </a:r>
             <a:r>
               <a:rPr lang="en-US" altLang="ko-KR" dirty="0"/>
-              <a:t>’ for get the first element from a list of sibling of children.</a:t>
+              <a:t>’ to get the first element from a list of sibling of children.</a:t>
             </a:r>
           </a:p>
           <a:p>
@@ -9081,7 +9081,7 @@
         <p:spPr>
           <a:xfrm>
             <a:off x="355415" y="2116492"/>
-            <a:ext cx="5878028" cy="698717"/>
+            <a:ext cx="5878028" cy="738664"/>
           </a:xfrm>
           <a:prstGeom prst="rect">
             <a:avLst/>
@@ -9111,7 +9111,7 @@
             </a:r>
             <a:r>
               <a:rPr lang="en-US" altLang="ko-KR" dirty="0"/>
-              <a:t>’ bigger then max of ‘</a:t>
+              <a:t>’ smaller then max of ‘</a:t>
             </a:r>
             <a:r>
               <a:rPr lang="en-US" altLang="ko-KR" dirty="0" err="1"/>

--- a/OS_proj1.pptx
+++ b/OS_proj1.pptx
@@ -6912,7 +6912,7 @@
             </a:pPr>
             <a:r>
               <a:rPr lang="en-US" altLang="ko-KR" dirty="0"/>
-              <a:t>Using ‘</a:t>
+              <a:t>Used ‘</a:t>
             </a:r>
             <a:r>
               <a:rPr lang="en-US" altLang="ko-KR" dirty="0" err="1"/>
@@ -6920,7 +6920,7 @@
             </a:r>
             <a:r>
               <a:rPr lang="en-US" altLang="ko-KR" dirty="0"/>
-              <a:t>’ for check user pointer is valid.</a:t>
+              <a:t>’ to check user pointer is valid.</a:t>
             </a:r>
           </a:p>
           <a:p>
@@ -6933,7 +6933,7 @@
             </a:pPr>
             <a:r>
               <a:rPr lang="en-US" altLang="ko-KR" dirty="0"/>
-              <a:t>Using ‘</a:t>
+              <a:t>Used ‘</a:t>
             </a:r>
             <a:r>
               <a:rPr lang="en-US" altLang="ko-KR" dirty="0" err="1"/>
@@ -6941,7 +6941,7 @@
             </a:r>
             <a:r>
               <a:rPr lang="en-US" altLang="ko-KR" dirty="0"/>
-              <a:t>’ for copy data from user space.</a:t>
+              <a:t>’ to copy data from user space.</a:t>
             </a:r>
           </a:p>
         </p:txBody>
@@ -7585,7 +7585,7 @@
             </a:pPr>
             <a:r>
               <a:rPr lang="en-US" altLang="ko-KR" dirty="0"/>
-              <a:t>Using ‘</a:t>
+              <a:t>Used ‘</a:t>
             </a:r>
             <a:r>
               <a:rPr lang="en-US" altLang="ko-KR" dirty="0" err="1"/>
@@ -7593,7 +7593,7 @@
             </a:r>
             <a:r>
               <a:rPr lang="en-US" altLang="ko-KR" dirty="0"/>
-              <a:t>’ for get the first element from a list of sibling of children.</a:t>
+              <a:t>’ macro  to get the first element from the sibling list of children.</a:t>
             </a:r>
           </a:p>
           <a:p>
@@ -7606,7 +7606,7 @@
             </a:pPr>
             <a:r>
               <a:rPr lang="en-US" altLang="ko-KR" dirty="0"/>
-              <a:t>If the list don’t have children, it returns NULL.</a:t>
+              <a:t>If the list doesn’t have any child, it returns NULL.</a:t>
             </a:r>
           </a:p>
           <a:p>
@@ -8285,7 +8285,7 @@
             </a:pPr>
             <a:r>
               <a:rPr lang="en-US" altLang="ko-KR" dirty="0"/>
-              <a:t>Using ‘</a:t>
+              <a:t>Used ‘</a:t>
             </a:r>
             <a:r>
               <a:rPr lang="en-US" altLang="ko-KR" dirty="0" err="1"/>
@@ -8293,7 +8293,7 @@
             </a:r>
             <a:r>
               <a:rPr lang="en-US" altLang="ko-KR" dirty="0"/>
-              <a:t>’ to get the first element from a list of sibling of children.</a:t>
+              <a:t>’  macro to get the first element from the sibling list of children.</a:t>
             </a:r>
           </a:p>
           <a:p>
@@ -8306,7 +8306,7 @@
             </a:pPr>
             <a:r>
               <a:rPr lang="en-US" altLang="ko-KR" dirty="0"/>
-              <a:t>If the list don’t have children, it returns NULL.</a:t>
+              <a:t>If the list doesn’t have any child, it returns NULL.</a:t>
             </a:r>
           </a:p>
           <a:p>
@@ -9081,7 +9081,7 @@
         <p:spPr>
           <a:xfrm>
             <a:off x="355415" y="2116492"/>
-            <a:ext cx="5878028" cy="738664"/>
+            <a:ext cx="5878028" cy="1384995"/>
           </a:xfrm>
           <a:prstGeom prst="rect">
             <a:avLst/>
@@ -9111,7 +9111,7 @@
             </a:r>
             <a:r>
               <a:rPr lang="en-US" altLang="ko-KR" dirty="0"/>
-              <a:t>’ smaller then max of ‘</a:t>
+              <a:t>’ is smaller then max of ‘</a:t>
             </a:r>
             <a:r>
               <a:rPr lang="en-US" altLang="ko-KR" dirty="0" err="1"/>
@@ -9119,7 +9119,7 @@
             </a:r>
             <a:r>
               <a:rPr lang="en-US" altLang="ko-KR" dirty="0"/>
-              <a:t>’, using ‘</a:t>
+              <a:t>’, ‘</a:t>
             </a:r>
             <a:r>
               <a:rPr lang="en-US" altLang="ko-KR" dirty="0" err="1"/>
@@ -9127,7 +9127,52 @@
             </a:r>
             <a:r>
               <a:rPr lang="en-US" altLang="ko-KR" dirty="0"/>
-              <a:t>’ function.</a:t>
+              <a:t>’ function is called to copy information of </a:t>
+            </a:r>
+            <a:r>
+              <a:rPr lang="en-US" altLang="ko-KR" dirty="0" err="1"/>
+              <a:t>task_struct</a:t>
+            </a:r>
+            <a:r>
+              <a:rPr lang="en-US" altLang="ko-KR" dirty="0"/>
+              <a:t>.</a:t>
+            </a:r>
+          </a:p>
+          <a:p>
+            <a:pPr marL="285750" indent="-285750">
+              <a:lnSpc>
+                <a:spcPct val="150000"/>
+              </a:lnSpc>
+              <a:buFont typeface="Arial" panose="020B0604020202020204" pitchFamily="34" charset="0"/>
+              <a:buChar char="•"/>
+            </a:pPr>
+            <a:r>
+              <a:rPr lang="en-US" altLang="ko-KR" dirty="0"/>
+              <a:t>No matter how big ‘</a:t>
+            </a:r>
+            <a:r>
+              <a:rPr lang="en-US" altLang="ko-KR" dirty="0" err="1"/>
+              <a:t>nr</a:t>
+            </a:r>
+            <a:r>
+              <a:rPr lang="en-US" altLang="ko-KR" dirty="0"/>
+              <a:t>’ is, ‘</a:t>
+            </a:r>
+            <a:r>
+              <a:rPr lang="en-US" altLang="ko-KR" dirty="0" err="1"/>
+              <a:t>nr</a:t>
+            </a:r>
+            <a:r>
+              <a:rPr lang="en-US" altLang="ko-KR" dirty="0"/>
+              <a:t>’ gets</a:t>
+            </a:r>
+            <a:r>
+              <a:rPr lang="ko-KR" altLang="en-US" dirty="0"/>
+              <a:t> </a:t>
+            </a:r>
+            <a:r>
+              <a:rPr lang="en-US" altLang="ko-KR" dirty="0"/>
+              <a:t>incremented.</a:t>
             </a:r>
           </a:p>
           <a:p>
@@ -9904,7 +9949,7 @@
         <p:spPr>
           <a:xfrm>
             <a:off x="355415" y="2263973"/>
-            <a:ext cx="5415987" cy="307777"/>
+            <a:ext cx="5415987" cy="738664"/>
           </a:xfrm>
           <a:prstGeom prst="rect">
             <a:avLst/>
@@ -9924,6 +9969,32 @@
             <a:r>
               <a:rPr lang="en-US" altLang="ko-KR" dirty="0"/>
               <a:t>Start of process traverse.</a:t>
+            </a:r>
+          </a:p>
+          <a:p>
+            <a:pPr marL="285750" indent="-285750">
+              <a:buFont typeface="Arial" panose="020B0604020202020204" pitchFamily="34" charset="0"/>
+              <a:buChar char="•"/>
+            </a:pPr>
+            <a:r>
+              <a:rPr lang="en-US" altLang="ko-KR" dirty="0"/>
+              <a:t>Used `</a:t>
+            </a:r>
+            <a:r>
+              <a:rPr lang="en-US" altLang="ko-KR" dirty="0" err="1"/>
+              <a:t>list_for_each</a:t>
+            </a:r>
+            <a:r>
+              <a:rPr lang="en-US" altLang="ko-KR" dirty="0"/>
+              <a:t>` macro to iterate `</a:t>
+            </a:r>
+            <a:r>
+              <a:rPr lang="en-US" altLang="ko-KR" dirty="0" err="1"/>
+              <a:t>traverse_process</a:t>
+            </a:r>
+            <a:r>
+              <a:rPr lang="en-US" altLang="ko-KR" dirty="0"/>
+              <a:t>` for every children of current process.</a:t>
             </a:r>
             <a:endParaRPr lang="ko-KR" altLang="en-US" dirty="0"/>
           </a:p>
@@ -11941,7 +12012,7 @@
         <p:spPr>
           <a:xfrm>
             <a:off x="355415" y="3812157"/>
-            <a:ext cx="6072083" cy="523220"/>
+            <a:ext cx="6072083" cy="307777"/>
           </a:xfrm>
           <a:prstGeom prst="rect">
             <a:avLst/>
@@ -11960,27 +12031,8 @@
             </a:pPr>
             <a:r>
               <a:rPr lang="en-US" altLang="ko-KR" dirty="0"/>
-              <a:t>Check user memory allocation failed.</a:t>
+              <a:t>Check if user memory allocation has failed</a:t>
             </a:r>
-          </a:p>
-          <a:p>
-            <a:pPr marL="285750" indent="-285750">
-              <a:buFont typeface="Arial" panose="020B0604020202020204" pitchFamily="34" charset="0"/>
-              <a:buChar char="•"/>
-            </a:pPr>
-            <a:r>
-              <a:rPr lang="en-US" altLang="ko-KR" dirty="0"/>
-              <a:t>Execute and print ‘</a:t>
-            </a:r>
-            <a:r>
-              <a:rPr lang="en-US" altLang="ko-KR" dirty="0" err="1"/>
-              <a:t>ptree</a:t>
-            </a:r>
-            <a:r>
-              <a:rPr lang="en-US" altLang="ko-KR" dirty="0"/>
-              <a:t>’ system call.</a:t>
-            </a:r>
-            <a:endParaRPr lang="ko-KR" altLang="en-US" dirty="0"/>
           </a:p>
         </p:txBody>
       </p:sp>
@@ -13654,7 +13706,7 @@
         <p:spPr>
           <a:xfrm>
             <a:off x="355415" y="3564827"/>
-            <a:ext cx="6072083" cy="523220"/>
+            <a:ext cx="6072083" cy="307777"/>
           </a:xfrm>
           <a:prstGeom prst="rect">
             <a:avLst/>
@@ -13673,17 +13725,7 @@
             </a:pPr>
             <a:r>
               <a:rPr lang="en-US" altLang="ko-KR" dirty="0"/>
-              <a:t>Check user memory allocation failed.</a:t>
-            </a:r>
-          </a:p>
-          <a:p>
-            <a:pPr marL="285750" indent="-285750">
-              <a:buFont typeface="Arial" panose="020B0604020202020204" pitchFamily="34" charset="0"/>
-              <a:buChar char="•"/>
-            </a:pPr>
-            <a:r>
-              <a:rPr lang="en-US" altLang="ko-KR" dirty="0"/>
-              <a:t>Execute and print ‘</a:t>
+              <a:t>Print ‘</a:t>
             </a:r>
             <a:r>
               <a:rPr lang="en-US" altLang="ko-KR" dirty="0" err="1"/>
@@ -13691,7 +13733,7 @@
             </a:r>
             <a:r>
               <a:rPr lang="en-US" altLang="ko-KR" dirty="0"/>
-              <a:t>’ system call.</a:t>
+              <a:t>’.</a:t>
             </a:r>
             <a:endParaRPr lang="ko-KR" altLang="en-US" dirty="0"/>
           </a:p>
